--- a/Daily Agendas/Day7.2_DreamMachine.pptx
+++ b/Daily Agendas/Day7.2_DreamMachine.pptx
@@ -3508,15 +3508,7 @@
           <a:p>
             <a:r>
               <a:rPr lang="en-US" dirty="0" smtClean="0"/>
-              <a:t>Dream Machine– </a:t>
-            </a:r>
-            <a:r>
-              <a:rPr lang="en-US" dirty="0" smtClean="0"/>
-              <a:t>Oct </a:t>
-            </a:r>
-            <a:r>
-              <a:rPr lang="en-US" dirty="0" smtClean="0"/>
-              <a:t>15</a:t>
+              <a:t>Dream Machine– Oct 15</a:t>
             </a:r>
             <a:endParaRPr lang="en-US" dirty="0"/>
           </a:p>
@@ -3535,7 +3527,7 @@
         <p:spPr/>
         <p:txBody>
           <a:bodyPr>
-            <a:normAutofit fontScale="85000" lnSpcReduction="20000"/>
+            <a:normAutofit fontScale="70000" lnSpcReduction="20000"/>
           </a:bodyPr>
           <a:lstStyle/>
           <a:p>
@@ -3549,13 +3541,39 @@
             <a:pPr lvl="1"/>
             <a:r>
               <a:rPr lang="en-CA" dirty="0" smtClean="0"/>
+              <a:t>Presentation (A.2): </a:t>
+            </a:r>
+            <a:r>
+              <a:rPr lang="en-CA" dirty="0" err="1" smtClean="0"/>
+              <a:t>Kunwar</a:t>
+            </a:r>
+            <a:r>
+              <a:rPr lang="en-CA" dirty="0" smtClean="0"/>
+              <a:t> </a:t>
+            </a:r>
+          </a:p>
+          <a:p>
+            <a:pPr lvl="2"/>
+            <a:r>
+              <a:rPr lang="en-CA" dirty="0"/>
+              <a:t>Let me know when you have a </a:t>
+            </a:r>
+            <a:r>
+              <a:rPr lang="en-CA" dirty="0" smtClean="0"/>
+              <a:t>presentation</a:t>
+            </a:r>
+            <a:endParaRPr lang="en-CA" dirty="0" smtClean="0"/>
+          </a:p>
+          <a:p>
+            <a:pPr lvl="1"/>
+            <a:r>
+              <a:rPr lang="en-CA" dirty="0" smtClean="0"/>
               <a:t>Lesson </a:t>
             </a:r>
             <a:r>
               <a:rPr lang="en-CA" dirty="0" smtClean="0"/>
               <a:t>A.3 Dream Machine</a:t>
             </a:r>
-            <a:endParaRPr lang="en-CA" dirty="0" smtClean="0"/>
           </a:p>
           <a:p>
             <a:pPr lvl="2"/>
@@ -3585,7 +3603,6 @@
               <a:rPr lang="en-CA" dirty="0" smtClean="0"/>
               <a:t>.)</a:t>
             </a:r>
-            <a:endParaRPr lang="en-CA" dirty="0" smtClean="0"/>
           </a:p>
           <a:p>
             <a:pPr lvl="1"/>
@@ -3605,11 +3622,7 @@
             <a:pPr lvl="2"/>
             <a:r>
               <a:rPr lang="en-CA" dirty="0" smtClean="0"/>
-              <a:t>Check </a:t>
-            </a:r>
-            <a:r>
-              <a:rPr lang="en-CA" dirty="0" smtClean="0"/>
-              <a:t>Spreadsheet – Complete Missing Work</a:t>
+              <a:t>Check Spreadsheet – Complete Missing Work</a:t>
             </a:r>
           </a:p>
           <a:p>
@@ -3641,19 +3654,7 @@
             <a:pPr lvl="1"/>
             <a:r>
               <a:rPr lang="en-CA" sz="2400" dirty="0" smtClean="0"/>
-              <a:t>Continue: </a:t>
-            </a:r>
-            <a:r>
-              <a:rPr lang="en-CA" sz="2400" dirty="0" smtClean="0"/>
-              <a:t>Lesson </a:t>
-            </a:r>
-            <a:r>
-              <a:rPr lang="en-CA" sz="2400" dirty="0" smtClean="0"/>
-              <a:t>A.3 </a:t>
-            </a:r>
-            <a:r>
-              <a:rPr lang="en-CA" sz="2400" smtClean="0"/>
-              <a:t>Dream Machine</a:t>
+              <a:t>Continue: Lesson A.3 Dream Machine</a:t>
             </a:r>
             <a:endParaRPr lang="en-US" sz="2400" dirty="0"/>
           </a:p>
